--- a/Machine Learning Presentation.pptx
+++ b/Machine Learning Presentation.pptx
@@ -220,7 +220,7 @@
           <a:p>
             <a:fld id="{D1CB9CF0-A540-4793-A5F3-F4917CFDDCB6}" type="datetimeFigureOut">
               <a:rPr lang="en-US" smtClean="0"/>
-              <a:t>10/22/2020</a:t>
+              <a:t>10/24/2020</a:t>
             </a:fld>
             <a:endParaRPr lang="en-US" dirty="0"/>
           </a:p>
@@ -397,7 +397,7 @@
           <a:p>
             <a:fld id="{EDA03753-A5BE-4D79-AEA9-C0A65A6F8851}" type="datetimeFigureOut">
               <a:rPr lang="en-US" smtClean="0"/>
-              <a:t>10/22/2020</a:t>
+              <a:t>10/24/2020</a:t>
             </a:fld>
             <a:endParaRPr lang="en-US" dirty="0"/>
           </a:p>
@@ -15656,13 +15656,13 @@
   <p:clrMapOvr>
     <a:masterClrMapping/>
   </p:clrMapOvr>
-  <mc:AlternateContent xmlns:mc="http://schemas.openxmlformats.org/markup-compatibility/2006">
-    <mc:Choice xmlns:p14="http://schemas.microsoft.com/office/powerpoint/2010/main" Requires="p14">
+  <mc:AlternateContent xmlns:mc="http://schemas.openxmlformats.org/markup-compatibility/2006" xmlns:p14="http://schemas.microsoft.com/office/powerpoint/2010/main">
+    <mc:Choice Requires="p14">
       <p:transition spd="slow" p14:dur="6000">
         <p14:vortex dir="r"/>
       </p:transition>
     </mc:Choice>
-    <mc:Fallback>
+    <mc:Fallback xmlns="">
       <p:transition spd="slow">
         <p:fade/>
       </p:transition>
@@ -17860,13 +17860,13 @@
   <p:clrMapOvr>
     <a:masterClrMapping/>
   </p:clrMapOvr>
-  <mc:AlternateContent xmlns:mc="http://schemas.openxmlformats.org/markup-compatibility/2006">
-    <mc:Choice xmlns:p14="http://schemas.microsoft.com/office/powerpoint/2010/main" Requires="p14">
+  <mc:AlternateContent xmlns:mc="http://schemas.openxmlformats.org/markup-compatibility/2006" xmlns:p14="http://schemas.microsoft.com/office/powerpoint/2010/main">
+    <mc:Choice Requires="p14">
       <p:transition spd="slow" p14:dur="3500">
         <p14:flip dir="r"/>
       </p:transition>
     </mc:Choice>
-    <mc:Fallback>
+    <mc:Fallback xmlns="">
       <p:transition spd="slow">
         <p:fade/>
       </p:transition>
@@ -19252,7 +19252,7 @@
         </p:spPr>
         <p:txBody>
           <a:bodyPr>
-            <a:normAutofit lnSpcReduction="10000"/>
+            <a:normAutofit/>
           </a:bodyPr>
           <a:lstStyle/>
           <a:p>
@@ -19409,7 +19409,7 @@
                   </a:outerShdw>
                 </a:effectLst>
               </a:rPr>
-              <a:t>Price action</a:t>
+              <a:t>Price action, Trading Volume</a:t>
             </a:r>
           </a:p>
           <a:p>
@@ -19428,8 +19428,24 @@
                   </a:outerShdw>
                 </a:effectLst>
               </a:rPr>
-              <a:t>Technical Indicators (resistance levels, Fibonacci, etc.)</a:t>
+              <a:t>Python / Machine Learning</a:t>
             </a:r>
+          </a:p>
+          <a:p>
+            <a:pPr marL="742950" lvl="1" indent="-285750">
+              <a:buFont typeface="Arial" panose="020B0604020202020204" pitchFamily="34" charset="0"/>
+              <a:buChar char="•"/>
+            </a:pPr>
+            <a:endParaRPr lang="en-US" sz="1600" dirty="0">
+              <a:ln w="0"/>
+              <a:effectLst>
+                <a:outerShdw blurRad="38100" dist="19050" dir="2700000" algn="tl" rotWithShape="0">
+                  <a:schemeClr val="dk1">
+                    <a:alpha val="40000"/>
+                  </a:schemeClr>
+                </a:outerShdw>
+              </a:effectLst>
+            </a:endParaRPr>
           </a:p>
           <a:p>
             <a:pPr marL="742950" lvl="1" indent="-285750">
@@ -19483,13 +19499,13 @@
   <p:clrMapOvr>
     <a:masterClrMapping/>
   </p:clrMapOvr>
-  <mc:AlternateContent xmlns:mc="http://schemas.openxmlformats.org/markup-compatibility/2006">
-    <mc:Choice xmlns:p14="http://schemas.microsoft.com/office/powerpoint/2010/main" Requires="p14">
+  <mc:AlternateContent xmlns:mc="http://schemas.openxmlformats.org/markup-compatibility/2006" xmlns:p14="http://schemas.microsoft.com/office/powerpoint/2010/main">
+    <mc:Choice Requires="p14">
       <p:transition spd="slow" p14:dur="2500">
         <p:push dir="u"/>
       </p:transition>
     </mc:Choice>
-    <mc:Fallback>
+    <mc:Fallback xmlns="">
       <p:transition spd="slow">
         <p:push dir="u"/>
       </p:transition>
@@ -20612,7 +20628,29 @@
                 <a:ea typeface="+mn-ea"/>
                 <a:cs typeface="+mn-cs"/>
               </a:rPr>
-              <a:t>, and Matplotlib </a:t>
+              <a:t>, and Matplotlib, </a:t>
+            </a:r>
+            <a:r>
+              <a:rPr lang="en-US" sz="1400" cap="none" dirty="0" err="1">
+                <a:solidFill>
+                  <a:srgbClr val="2F3342"/>
+                </a:solidFill>
+                <a:latin typeface="Candara" panose="020E0502030303020204" pitchFamily="34" charset="0"/>
+                <a:ea typeface="+mn-ea"/>
+                <a:cs typeface="+mn-cs"/>
+              </a:rPr>
+              <a:t>Plotly</a:t>
+            </a:r>
+            <a:r>
+              <a:rPr lang="en-US" sz="1400" cap="none" dirty="0">
+                <a:solidFill>
+                  <a:srgbClr val="2F3342"/>
+                </a:solidFill>
+                <a:latin typeface="Candara" panose="020E0502030303020204" pitchFamily="34" charset="0"/>
+                <a:ea typeface="+mn-ea"/>
+                <a:cs typeface="+mn-cs"/>
+              </a:rPr>
+              <a:t> Dashboard, </a:t>
             </a:r>
             <a:r>
               <a:rPr lang="en-US" sz="1400" b="0" cap="none" dirty="0">
@@ -20818,13 +20856,13 @@
   <p:clrMapOvr>
     <a:masterClrMapping/>
   </p:clrMapOvr>
-  <mc:AlternateContent xmlns:mc="http://schemas.openxmlformats.org/markup-compatibility/2006">
-    <mc:Choice xmlns:p15="http://schemas.microsoft.com/office/powerpoint/2012/main" Requires="p15">
+  <mc:AlternateContent xmlns:mc="http://schemas.openxmlformats.org/markup-compatibility/2006" xmlns:p15="http://schemas.microsoft.com/office/powerpoint/2012/main">
+    <mc:Choice Requires="p15">
       <p:transition xmlns:p14="http://schemas.microsoft.com/office/powerpoint/2010/main" spd="slow" p14:dur="2000">
         <p15:prstTrans prst="crush"/>
       </p:transition>
     </mc:Choice>
-    <mc:Fallback>
+    <mc:Fallback xmlns="">
       <p:transition spd="slow">
         <p:fade/>
       </p:transition>
@@ -24250,6 +24288,23 @@
 </file>
 
 <file path=customXml/item1.xml><?xml version="1.0" encoding="utf-8"?>
+<?mso-contentType ?>
+<FormTemplates xmlns="http://schemas.microsoft.com/sharepoint/v3/contenttype/forms">
+  <Display>DocumentLibraryForm</Display>
+  <Edit>DocumentLibraryForm</Edit>
+  <New>DocumentLibraryForm</New>
+</FormTemplates>
+</file>
+
+<file path=customXml/item2.xml><?xml version="1.0" encoding="utf-8"?>
+<p:properties xmlns:p="http://schemas.microsoft.com/office/2006/metadata/properties" xmlns:xsi="http://www.w3.org/2001/XMLSchema-instance" xmlns:pc="http://schemas.microsoft.com/office/infopath/2007/PartnerControls">
+  <documentManagement>
+    <MediaServiceKeyPoints xmlns="71af3243-3dd4-4a8d-8c0d-dd76da1f02a5" xsi:nil="true"/>
+  </documentManagement>
+</p:properties>
+</file>
+
+<file path=customXml/item3.xml><?xml version="1.0" encoding="utf-8"?>
 <ct:contentTypeSchema xmlns:ct="http://schemas.microsoft.com/office/2006/metadata/contentType" xmlns:ma="http://schemas.microsoft.com/office/2006/metadata/properties/metaAttributes" ct:_="" ma:_="" ma:contentTypeName="Document" ma:contentTypeID="0x01010079F111ED35F8CC479449609E8A0923A6" ma:contentTypeVersion="11" ma:contentTypeDescription="Create a new document." ma:contentTypeScope="" ma:versionID="96291512c1ee715ab617f4c07df79fc1">
   <xsd:schema xmlns:xsd="http://www.w3.org/2001/XMLSchema" xmlns:xs="http://www.w3.org/2001/XMLSchema" xmlns:p="http://schemas.microsoft.com/office/2006/metadata/properties" xmlns:ns2="71af3243-3dd4-4a8d-8c0d-dd76da1f02a5" xmlns:ns3="16c05727-aa75-4e4a-9b5f-8a80a1165891" targetNamespace="http://schemas.microsoft.com/office/2006/metadata/properties" ma:root="true" ma:fieldsID="8256c27c40ca5c40ce1cf6c44f0205df" ns2:_="" ns3:_="">
     <xsd:import namespace="71af3243-3dd4-4a8d-8c0d-dd76da1f02a5"/>
@@ -24460,24 +24515,25 @@
 </ct:contentTypeSchema>
 </file>
 
-<file path=customXml/item2.xml><?xml version="1.0" encoding="utf-8"?>
-<p:properties xmlns:p="http://schemas.microsoft.com/office/2006/metadata/properties" xmlns:xsi="http://www.w3.org/2001/XMLSchema-instance" xmlns:pc="http://schemas.microsoft.com/office/infopath/2007/PartnerControls">
-  <documentManagement>
-    <MediaServiceKeyPoints xmlns="71af3243-3dd4-4a8d-8c0d-dd76da1f02a5" xsi:nil="true"/>
-  </documentManagement>
-</p:properties>
+<file path=customXml/itemProps1.xml><?xml version="1.0" encoding="utf-8"?>
+<ds:datastoreItem xmlns:ds="http://schemas.openxmlformats.org/officeDocument/2006/customXml" ds:itemID="{D27BEDAB-01B4-4BD0-9390-31AD9280078C}">
+  <ds:schemaRefs>
+    <ds:schemaRef ds:uri="http://schemas.microsoft.com/sharepoint/v3/contenttype/forms"/>
+  </ds:schemaRefs>
+</ds:datastoreItem>
 </file>
 
-<file path=customXml/item3.xml><?xml version="1.0" encoding="utf-8"?>
-<?mso-contentType ?>
-<FormTemplates xmlns="http://schemas.microsoft.com/sharepoint/v3/contenttype/forms">
-  <Display>DocumentLibraryForm</Display>
-  <Edit>DocumentLibraryForm</Edit>
-  <New>DocumentLibraryForm</New>
-</FormTemplates>
+<file path=customXml/itemProps2.xml><?xml version="1.0" encoding="utf-8"?>
+<ds:datastoreItem xmlns:ds="http://schemas.openxmlformats.org/officeDocument/2006/customXml" ds:itemID="{9B19B998-C0F0-415C-AF4D-F10DCCD30A25}">
+  <ds:schemaRefs>
+    <ds:schemaRef ds:uri="http://schemas.microsoft.com/office/2006/metadata/properties"/>
+    <ds:schemaRef ds:uri="http://schemas.microsoft.com/office/infopath/2007/PartnerControls"/>
+    <ds:schemaRef ds:uri="71af3243-3dd4-4a8d-8c0d-dd76da1f02a5"/>
+  </ds:schemaRefs>
+</ds:datastoreItem>
 </file>
 
-<file path=customXml/itemProps1.xml><?xml version="1.0" encoding="utf-8"?>
+<file path=customXml/itemProps3.xml><?xml version="1.0" encoding="utf-8"?>
 <ds:datastoreItem xmlns:ds="http://schemas.openxmlformats.org/officeDocument/2006/customXml" ds:itemID="{6AD934DA-6EDB-4DB8-AE5C-9399A13698D6}">
   <ds:schemaRefs>
     <ds:schemaRef ds:uri="http://schemas.microsoft.com/office/2006/metadata/contentType"/>
@@ -24494,22 +24550,4 @@
     <ds:schemaRef ds:uri="http://schemas.microsoft.com/internal/obd"/>
   </ds:schemaRefs>
 </ds:datastoreItem>
-</file>
-
-<file path=customXml/itemProps2.xml><?xml version="1.0" encoding="utf-8"?>
-<ds:datastoreItem xmlns:ds="http://schemas.openxmlformats.org/officeDocument/2006/customXml" ds:itemID="{9B19B998-C0F0-415C-AF4D-F10DCCD30A25}">
-  <ds:schemaRefs>
-    <ds:schemaRef ds:uri="http://schemas.microsoft.com/office/2006/metadata/properties"/>
-    <ds:schemaRef ds:uri="http://schemas.microsoft.com/office/infopath/2007/PartnerControls"/>
-    <ds:schemaRef ds:uri="71af3243-3dd4-4a8d-8c0d-dd76da1f02a5"/>
-  </ds:schemaRefs>
-</ds:datastoreItem>
-</file>
-
-<file path=customXml/itemProps3.xml><?xml version="1.0" encoding="utf-8"?>
-<ds:datastoreItem xmlns:ds="http://schemas.openxmlformats.org/officeDocument/2006/customXml" ds:itemID="{D27BEDAB-01B4-4BD0-9390-31AD9280078C}">
-  <ds:schemaRefs>
-    <ds:schemaRef ds:uri="http://schemas.microsoft.com/sharepoint/v3/contenttype/forms"/>
-  </ds:schemaRefs>
-</ds:datastoreItem>
 </file>